--- a/tpn/tools/xlsx2data/doc/xlsx2data.pptx
+++ b/tpn/tools/xlsx2data/doc/xlsx2data.pptx
@@ -6,6 +6,8 @@
   </p:sldMasterIdLst>
   <p:sldIdLst>
     <p:sldId id="256" r:id="rId2"/>
+    <p:sldId id="257" r:id="rId3"/>
+    <p:sldId id="258" r:id="rId4"/>
   </p:sldIdLst>
   <p:sldSz cx="12192000" cy="6858000"/>
   <p:notesSz cx="6858000" cy="9144000"/>
@@ -104,6 +106,11 @@
       </a:defRPr>
     </a:lvl9pPr>
   </p:defaultTextStyle>
+  <p:extLst>
+    <p:ext uri="{EFAFB233-063F-42B5-8137-9DF3F51BA10A}">
+      <p15:sldGuideLst xmlns:p15="http://schemas.microsoft.com/office/powerpoint/2012/main"/>
+    </p:ext>
+  </p:extLst>
 </p:presentation>
 </file>
 
@@ -250,7 +257,7 @@
           <a:p>
             <a:fld id="{1D215389-0828-4F5E-8B8D-15406BA18BD7}" type="datetimeFigureOut">
               <a:rPr lang="zh-CN" altLang="en-US" smtClean="0"/>
-              <a:t>2021/8/10</a:t>
+              <a:t>2021/8/18</a:t>
             </a:fld>
             <a:endParaRPr lang="zh-CN" altLang="en-US"/>
           </a:p>
@@ -420,7 +427,7 @@
           <a:p>
             <a:fld id="{1D215389-0828-4F5E-8B8D-15406BA18BD7}" type="datetimeFigureOut">
               <a:rPr lang="zh-CN" altLang="en-US" smtClean="0"/>
-              <a:t>2021/8/10</a:t>
+              <a:t>2021/8/18</a:t>
             </a:fld>
             <a:endParaRPr lang="zh-CN" altLang="en-US"/>
           </a:p>
@@ -600,7 +607,7 @@
           <a:p>
             <a:fld id="{1D215389-0828-4F5E-8B8D-15406BA18BD7}" type="datetimeFigureOut">
               <a:rPr lang="zh-CN" altLang="en-US" smtClean="0"/>
-              <a:t>2021/8/10</a:t>
+              <a:t>2021/8/18</a:t>
             </a:fld>
             <a:endParaRPr lang="zh-CN" altLang="en-US"/>
           </a:p>
@@ -770,7 +777,7 @@
           <a:p>
             <a:fld id="{1D215389-0828-4F5E-8B8D-15406BA18BD7}" type="datetimeFigureOut">
               <a:rPr lang="zh-CN" altLang="en-US" smtClean="0"/>
-              <a:t>2021/8/10</a:t>
+              <a:t>2021/8/18</a:t>
             </a:fld>
             <a:endParaRPr lang="zh-CN" altLang="en-US"/>
           </a:p>
@@ -1016,7 +1023,7 @@
           <a:p>
             <a:fld id="{1D215389-0828-4F5E-8B8D-15406BA18BD7}" type="datetimeFigureOut">
               <a:rPr lang="zh-CN" altLang="en-US" smtClean="0"/>
-              <a:t>2021/8/10</a:t>
+              <a:t>2021/8/18</a:t>
             </a:fld>
             <a:endParaRPr lang="zh-CN" altLang="en-US"/>
           </a:p>
@@ -1248,7 +1255,7 @@
           <a:p>
             <a:fld id="{1D215389-0828-4F5E-8B8D-15406BA18BD7}" type="datetimeFigureOut">
               <a:rPr lang="zh-CN" altLang="en-US" smtClean="0"/>
-              <a:t>2021/8/10</a:t>
+              <a:t>2021/8/18</a:t>
             </a:fld>
             <a:endParaRPr lang="zh-CN" altLang="en-US"/>
           </a:p>
@@ -1615,7 +1622,7 @@
           <a:p>
             <a:fld id="{1D215389-0828-4F5E-8B8D-15406BA18BD7}" type="datetimeFigureOut">
               <a:rPr lang="zh-CN" altLang="en-US" smtClean="0"/>
-              <a:t>2021/8/10</a:t>
+              <a:t>2021/8/18</a:t>
             </a:fld>
             <a:endParaRPr lang="zh-CN" altLang="en-US"/>
           </a:p>
@@ -1733,7 +1740,7 @@
           <a:p>
             <a:fld id="{1D215389-0828-4F5E-8B8D-15406BA18BD7}" type="datetimeFigureOut">
               <a:rPr lang="zh-CN" altLang="en-US" smtClean="0"/>
-              <a:t>2021/8/10</a:t>
+              <a:t>2021/8/18</a:t>
             </a:fld>
             <a:endParaRPr lang="zh-CN" altLang="en-US"/>
           </a:p>
@@ -1828,7 +1835,7 @@
           <a:p>
             <a:fld id="{1D215389-0828-4F5E-8B8D-15406BA18BD7}" type="datetimeFigureOut">
               <a:rPr lang="zh-CN" altLang="en-US" smtClean="0"/>
-              <a:t>2021/8/10</a:t>
+              <a:t>2021/8/18</a:t>
             </a:fld>
             <a:endParaRPr lang="zh-CN" altLang="en-US"/>
           </a:p>
@@ -2105,7 +2112,7 @@
           <a:p>
             <a:fld id="{1D215389-0828-4F5E-8B8D-15406BA18BD7}" type="datetimeFigureOut">
               <a:rPr lang="zh-CN" altLang="en-US" smtClean="0"/>
-              <a:t>2021/8/10</a:t>
+              <a:t>2021/8/18</a:t>
             </a:fld>
             <a:endParaRPr lang="zh-CN" altLang="en-US"/>
           </a:p>
@@ -2358,7 +2365,7 @@
           <a:p>
             <a:fld id="{1D215389-0828-4F5E-8B8D-15406BA18BD7}" type="datetimeFigureOut">
               <a:rPr lang="zh-CN" altLang="en-US" smtClean="0"/>
-              <a:t>2021/8/10</a:t>
+              <a:t>2021/8/18</a:t>
             </a:fld>
             <a:endParaRPr lang="zh-CN" altLang="en-US"/>
           </a:p>
@@ -2571,7 +2578,7 @@
           <a:p>
             <a:fld id="{1D215389-0828-4F5E-8B8D-15406BA18BD7}" type="datetimeFigureOut">
               <a:rPr lang="zh-CN" altLang="en-US" smtClean="0"/>
-              <a:t>2021/8/10</a:t>
+              <a:t>2021/8/18</a:t>
             </a:fld>
             <a:endParaRPr lang="zh-CN" altLang="en-US"/>
           </a:p>
@@ -4700,6 +4707,321 @@
 </p:sld>
 </file>
 
+<file path=ppt/slides/slide2.xml><?xml version="1.0" encoding="utf-8"?>
+<p:sld xmlns:a="http://schemas.openxmlformats.org/drawingml/2006/main" xmlns:r="http://schemas.openxmlformats.org/officeDocument/2006/relationships" xmlns:p="http://schemas.openxmlformats.org/presentationml/2006/main">
+  <p:cSld>
+    <p:spTree>
+      <p:nvGrpSpPr>
+        <p:cNvPr id="1" name=""/>
+        <p:cNvGrpSpPr/>
+        <p:nvPr/>
+      </p:nvGrpSpPr>
+      <p:grpSpPr>
+        <a:xfrm>
+          <a:off x="0" y="0"/>
+          <a:ext cx="0" cy="0"/>
+          <a:chOff x="0" y="0"/>
+          <a:chExt cx="0" cy="0"/>
+        </a:xfrm>
+      </p:grpSpPr>
+      <p:grpSp>
+        <p:nvGrpSpPr>
+          <p:cNvPr id="13" name="组合 12"/>
+          <p:cNvGrpSpPr/>
+          <p:nvPr/>
+        </p:nvGrpSpPr>
+        <p:grpSpPr>
+          <a:xfrm>
+            <a:off x="0" y="0"/>
+            <a:ext cx="12192000" cy="6858000"/>
+            <a:chOff x="0" y="0"/>
+            <a:chExt cx="15062964" cy="6858000"/>
+          </a:xfrm>
+        </p:grpSpPr>
+        <p:pic>
+          <p:nvPicPr>
+            <p:cNvPr id="6" name="图片 5"/>
+            <p:cNvPicPr>
+              <a:picLocks noChangeAspect="1"/>
+            </p:cNvPicPr>
+            <p:nvPr/>
+          </p:nvPicPr>
+          <p:blipFill>
+            <a:blip r:embed="rId2">
+              <a:extLst>
+                <a:ext uri="{28A0092B-C50C-407E-A947-70E740481C1C}">
+                  <a14:useLocalDpi xmlns:a14="http://schemas.microsoft.com/office/drawing/2010/main" val="0"/>
+                </a:ext>
+              </a:extLst>
+            </a:blip>
+            <a:stretch>
+              <a:fillRect/>
+            </a:stretch>
+          </p:blipFill>
+          <p:spPr>
+            <a:xfrm>
+              <a:off x="0" y="0"/>
+              <a:ext cx="2248095" cy="1836579"/>
+            </a:xfrm>
+            <a:prstGeom prst="rect">
+              <a:avLst/>
+            </a:prstGeom>
+          </p:spPr>
+        </p:pic>
+        <p:pic>
+          <p:nvPicPr>
+            <p:cNvPr id="8" name="图片 7"/>
+            <p:cNvPicPr>
+              <a:picLocks noChangeAspect="1"/>
+            </p:cNvPicPr>
+            <p:nvPr/>
+          </p:nvPicPr>
+          <p:blipFill>
+            <a:blip r:embed="rId3">
+              <a:extLst>
+                <a:ext uri="{28A0092B-C50C-407E-A947-70E740481C1C}">
+                  <a14:useLocalDpi xmlns:a14="http://schemas.microsoft.com/office/drawing/2010/main" val="0"/>
+                </a:ext>
+              </a:extLst>
+            </a:blip>
+            <a:stretch>
+              <a:fillRect/>
+            </a:stretch>
+          </p:blipFill>
+          <p:spPr>
+            <a:xfrm>
+              <a:off x="0" y="2003639"/>
+              <a:ext cx="3825572" cy="4854361"/>
+            </a:xfrm>
+            <a:prstGeom prst="rect">
+              <a:avLst/>
+            </a:prstGeom>
+          </p:spPr>
+        </p:pic>
+        <p:pic>
+          <p:nvPicPr>
+            <p:cNvPr id="9" name="图片 8"/>
+            <p:cNvPicPr>
+              <a:picLocks noChangeAspect="1"/>
+            </p:cNvPicPr>
+            <p:nvPr/>
+          </p:nvPicPr>
+          <p:blipFill>
+            <a:blip r:embed="rId4">
+              <a:extLst>
+                <a:ext uri="{28A0092B-C50C-407E-A947-70E740481C1C}">
+                  <a14:useLocalDpi xmlns:a14="http://schemas.microsoft.com/office/drawing/2010/main" val="0"/>
+                </a:ext>
+              </a:extLst>
+            </a:blip>
+            <a:stretch>
+              <a:fillRect/>
+            </a:stretch>
+          </p:blipFill>
+          <p:spPr>
+            <a:xfrm>
+              <a:off x="3825572" y="3810"/>
+              <a:ext cx="3712302" cy="3674110"/>
+            </a:xfrm>
+            <a:prstGeom prst="rect">
+              <a:avLst/>
+            </a:prstGeom>
+          </p:spPr>
+        </p:pic>
+        <p:pic>
+          <p:nvPicPr>
+            <p:cNvPr id="10" name="图片 9"/>
+            <p:cNvPicPr>
+              <a:picLocks noChangeAspect="1"/>
+            </p:cNvPicPr>
+            <p:nvPr/>
+          </p:nvPicPr>
+          <p:blipFill>
+            <a:blip r:embed="rId5">
+              <a:extLst>
+                <a:ext uri="{28A0092B-C50C-407E-A947-70E740481C1C}">
+                  <a14:useLocalDpi xmlns:a14="http://schemas.microsoft.com/office/drawing/2010/main" val="0"/>
+                </a:ext>
+              </a:extLst>
+            </a:blip>
+            <a:stretch>
+              <a:fillRect/>
+            </a:stretch>
+          </p:blipFill>
+          <p:spPr>
+            <a:xfrm>
+              <a:off x="11363446" y="0"/>
+              <a:ext cx="3699518" cy="6858000"/>
+            </a:xfrm>
+            <a:prstGeom prst="rect">
+              <a:avLst/>
+            </a:prstGeom>
+          </p:spPr>
+        </p:pic>
+        <p:pic>
+          <p:nvPicPr>
+            <p:cNvPr id="11" name="图片 10"/>
+            <p:cNvPicPr>
+              <a:picLocks noChangeAspect="1"/>
+            </p:cNvPicPr>
+            <p:nvPr/>
+          </p:nvPicPr>
+          <p:blipFill>
+            <a:blip r:embed="rId6">
+              <a:extLst>
+                <a:ext uri="{28A0092B-C50C-407E-A947-70E740481C1C}">
+                  <a14:useLocalDpi xmlns:a14="http://schemas.microsoft.com/office/drawing/2010/main" val="0"/>
+                </a:ext>
+              </a:extLst>
+            </a:blip>
+            <a:stretch>
+              <a:fillRect/>
+            </a:stretch>
+          </p:blipFill>
+          <p:spPr>
+            <a:xfrm>
+              <a:off x="3825572" y="3677920"/>
+              <a:ext cx="3878678" cy="3180080"/>
+            </a:xfrm>
+            <a:prstGeom prst="rect">
+              <a:avLst/>
+            </a:prstGeom>
+          </p:spPr>
+        </p:pic>
+        <p:pic>
+          <p:nvPicPr>
+            <p:cNvPr id="12" name="图片 11"/>
+            <p:cNvPicPr>
+              <a:picLocks noChangeAspect="1"/>
+            </p:cNvPicPr>
+            <p:nvPr/>
+          </p:nvPicPr>
+          <p:blipFill>
+            <a:blip r:embed="rId7">
+              <a:extLst>
+                <a:ext uri="{28A0092B-C50C-407E-A947-70E740481C1C}">
+                  <a14:useLocalDpi xmlns:a14="http://schemas.microsoft.com/office/drawing/2010/main" val="0"/>
+                </a:ext>
+              </a:extLst>
+            </a:blip>
+            <a:stretch>
+              <a:fillRect/>
+            </a:stretch>
+          </p:blipFill>
+          <p:spPr>
+            <a:xfrm>
+              <a:off x="7537874" y="0"/>
+              <a:ext cx="3825572" cy="5364945"/>
+            </a:xfrm>
+            <a:prstGeom prst="rect">
+              <a:avLst/>
+            </a:prstGeom>
+          </p:spPr>
+        </p:pic>
+      </p:grpSp>
+    </p:spTree>
+    <p:extLst>
+      <p:ext uri="{BB962C8B-B14F-4D97-AF65-F5344CB8AC3E}">
+        <p14:creationId xmlns:p14="http://schemas.microsoft.com/office/powerpoint/2010/main" val="3368601747"/>
+      </p:ext>
+    </p:extLst>
+  </p:cSld>
+  <p:clrMapOvr>
+    <a:masterClrMapping/>
+  </p:clrMapOvr>
+</p:sld>
+</file>
+
+<file path=ppt/slides/slide3.xml><?xml version="1.0" encoding="utf-8"?>
+<p:sld xmlns:a="http://schemas.openxmlformats.org/drawingml/2006/main" xmlns:r="http://schemas.openxmlformats.org/officeDocument/2006/relationships" xmlns:p="http://schemas.openxmlformats.org/presentationml/2006/main">
+  <p:cSld>
+    <p:spTree>
+      <p:nvGrpSpPr>
+        <p:cNvPr id="1" name=""/>
+        <p:cNvGrpSpPr/>
+        <p:nvPr/>
+      </p:nvGrpSpPr>
+      <p:grpSpPr>
+        <a:xfrm>
+          <a:off x="0" y="0"/>
+          <a:ext cx="0" cy="0"/>
+          <a:chOff x="0" y="0"/>
+          <a:chExt cx="0" cy="0"/>
+        </a:xfrm>
+      </p:grpSpPr>
+      <p:pic>
+        <p:nvPicPr>
+          <p:cNvPr id="4" name="图片 3"/>
+          <p:cNvPicPr>
+            <a:picLocks noChangeAspect="1"/>
+          </p:cNvPicPr>
+          <p:nvPr/>
+        </p:nvPicPr>
+        <p:blipFill>
+          <a:blip r:embed="rId2">
+            <a:extLst>
+              <a:ext uri="{28A0092B-C50C-407E-A947-70E740481C1C}">
+                <a14:useLocalDpi xmlns:a14="http://schemas.microsoft.com/office/drawing/2010/main" val="0"/>
+              </a:ext>
+            </a:extLst>
+          </a:blip>
+          <a:stretch>
+            <a:fillRect/>
+          </a:stretch>
+        </p:blipFill>
+        <p:spPr>
+          <a:xfrm>
+            <a:off x="464620" y="982268"/>
+            <a:ext cx="5296359" cy="4343776"/>
+          </a:xfrm>
+          <a:prstGeom prst="rect">
+            <a:avLst/>
+          </a:prstGeom>
+        </p:spPr>
+      </p:pic>
+      <p:pic>
+        <p:nvPicPr>
+          <p:cNvPr id="5" name="图片 4"/>
+          <p:cNvPicPr>
+            <a:picLocks noChangeAspect="1"/>
+          </p:cNvPicPr>
+          <p:nvPr/>
+        </p:nvPicPr>
+        <p:blipFill>
+          <a:blip r:embed="rId3">
+            <a:extLst>
+              <a:ext uri="{28A0092B-C50C-407E-A947-70E740481C1C}">
+                <a14:useLocalDpi xmlns:a14="http://schemas.microsoft.com/office/drawing/2010/main" val="0"/>
+              </a:ext>
+            </a:extLst>
+          </a:blip>
+          <a:stretch>
+            <a:fillRect/>
+          </a:stretch>
+        </p:blipFill>
+        <p:spPr>
+          <a:xfrm>
+            <a:off x="5760979" y="784093"/>
+            <a:ext cx="6020322" cy="4968671"/>
+          </a:xfrm>
+          <a:prstGeom prst="rect">
+            <a:avLst/>
+          </a:prstGeom>
+        </p:spPr>
+      </p:pic>
+    </p:spTree>
+    <p:extLst>
+      <p:ext uri="{BB962C8B-B14F-4D97-AF65-F5344CB8AC3E}">
+        <p14:creationId xmlns:p14="http://schemas.microsoft.com/office/powerpoint/2010/main" val="2828567271"/>
+      </p:ext>
+    </p:extLst>
+  </p:cSld>
+  <p:clrMapOvr>
+    <a:masterClrMapping/>
+  </p:clrMapOvr>
+</p:sld>
+</file>
+
 <file path=ppt/theme/theme1.xml><?xml version="1.0" encoding="utf-8"?>
 <a:theme xmlns:a="http://schemas.openxmlformats.org/drawingml/2006/main" name="Office 主题​​">
   <a:themeElements>
